--- a/RecSys15.pptx
+++ b/RecSys15.pptx
@@ -4469,7 +4469,7 @@
             </a:r>
             <a:r>
               <a:rPr lang="en-US" dirty="0" smtClean="0"/>
-              <a:t> – main driver program that manipulates views and runs the models</a:t>
+              <a:t> (1,2,3,4) – main driver program(s) that manipulates views and runs the models</a:t>
             </a:r>
           </a:p>
           <a:p>
@@ -4571,7 +4571,7 @@
         <p:spPr/>
         <p:txBody>
           <a:bodyPr>
-            <a:normAutofit fontScale="92500" lnSpcReduction="20000"/>
+            <a:normAutofit fontScale="85000" lnSpcReduction="20000"/>
           </a:bodyPr>
           <a:lstStyle/>
           <a:p>
@@ -4614,7 +4614,14 @@
             <a:pPr lvl="1"/>
             <a:r>
               <a:rPr lang="en-US" dirty="0" smtClean="0"/>
-              <a:t>Wasn’t planned well (from a software engineering perspective)</a:t>
+              <a:t>Wasn’t planned well/spaghetti (from a software engineering perspective) </a:t>
+            </a:r>
+          </a:p>
+          <a:p>
+            <a:pPr lvl="1"/>
+            <a:r>
+              <a:rPr lang="en-US" dirty="0" smtClean="0"/>
+              <a:t>Hard coded paths that need to be fixed</a:t>
             </a:r>
           </a:p>
           <a:p>
